--- a/Presentation.pptx
+++ b/Presentation.pptx
@@ -268,7 +268,7 @@
           <a:p>
             <a:fld id="{CB0EDE47-2924-488F-88C1-D7027FD3068B}" type="datetimeFigureOut">
               <a:rPr lang="en-US" smtClean="0"/>
-              <a:t>7/1/2022</a:t>
+              <a:t>10/6/2022</a:t>
             </a:fld>
             <a:endParaRPr lang="en-US"/>
           </a:p>
@@ -478,7 +478,7 @@
           <a:p>
             <a:fld id="{CB0EDE47-2924-488F-88C1-D7027FD3068B}" type="datetimeFigureOut">
               <a:rPr lang="en-US" smtClean="0"/>
-              <a:t>7/1/2022</a:t>
+              <a:t>10/6/2022</a:t>
             </a:fld>
             <a:endParaRPr lang="en-US"/>
           </a:p>
@@ -698,7 +698,7 @@
           <a:p>
             <a:fld id="{CB0EDE47-2924-488F-88C1-D7027FD3068B}" type="datetimeFigureOut">
               <a:rPr lang="en-US" smtClean="0"/>
-              <a:t>7/1/2022</a:t>
+              <a:t>10/6/2022</a:t>
             </a:fld>
             <a:endParaRPr lang="en-US"/>
           </a:p>
@@ -908,7 +908,7 @@
           <a:p>
             <a:fld id="{CB0EDE47-2924-488F-88C1-D7027FD3068B}" type="datetimeFigureOut">
               <a:rPr lang="en-US" smtClean="0"/>
-              <a:t>7/1/2022</a:t>
+              <a:t>10/6/2022</a:t>
             </a:fld>
             <a:endParaRPr lang="en-US"/>
           </a:p>
@@ -1195,7 +1195,7 @@
           <a:p>
             <a:fld id="{CB0EDE47-2924-488F-88C1-D7027FD3068B}" type="datetimeFigureOut">
               <a:rPr lang="en-US" smtClean="0"/>
-              <a:t>7/1/2022</a:t>
+              <a:t>10/6/2022</a:t>
             </a:fld>
             <a:endParaRPr lang="en-US"/>
           </a:p>
@@ -1472,7 +1472,7 @@
           <a:p>
             <a:fld id="{CB0EDE47-2924-488F-88C1-D7027FD3068B}" type="datetimeFigureOut">
               <a:rPr lang="en-US" smtClean="0"/>
-              <a:t>7/1/2022</a:t>
+              <a:t>10/6/2022</a:t>
             </a:fld>
             <a:endParaRPr lang="en-US"/>
           </a:p>
@@ -1896,7 +1896,7 @@
           <a:p>
             <a:fld id="{CB0EDE47-2924-488F-88C1-D7027FD3068B}" type="datetimeFigureOut">
               <a:rPr lang="en-US" smtClean="0"/>
-              <a:t>7/1/2022</a:t>
+              <a:t>10/6/2022</a:t>
             </a:fld>
             <a:endParaRPr lang="en-US"/>
           </a:p>
@@ -2049,7 +2049,7 @@
           <a:p>
             <a:fld id="{CB0EDE47-2924-488F-88C1-D7027FD3068B}" type="datetimeFigureOut">
               <a:rPr lang="en-US" smtClean="0"/>
-              <a:t>7/1/2022</a:t>
+              <a:t>10/6/2022</a:t>
             </a:fld>
             <a:endParaRPr lang="en-US"/>
           </a:p>
@@ -2174,7 +2174,7 @@
           <a:p>
             <a:fld id="{CB0EDE47-2924-488F-88C1-D7027FD3068B}" type="datetimeFigureOut">
               <a:rPr lang="en-US" smtClean="0"/>
-              <a:t>7/1/2022</a:t>
+              <a:t>10/6/2022</a:t>
             </a:fld>
             <a:endParaRPr lang="en-US"/>
           </a:p>
@@ -2497,7 +2497,7 @@
           <a:p>
             <a:fld id="{CB0EDE47-2924-488F-88C1-D7027FD3068B}" type="datetimeFigureOut">
               <a:rPr lang="en-US" smtClean="0"/>
-              <a:t>7/1/2022</a:t>
+              <a:t>10/6/2022</a:t>
             </a:fld>
             <a:endParaRPr lang="en-US"/>
           </a:p>
@@ -2797,7 +2797,7 @@
           <a:p>
             <a:fld id="{CB0EDE47-2924-488F-88C1-D7027FD3068B}" type="datetimeFigureOut">
               <a:rPr lang="en-US" smtClean="0"/>
-              <a:t>7/1/2022</a:t>
+              <a:t>10/6/2022</a:t>
             </a:fld>
             <a:endParaRPr lang="en-US"/>
           </a:p>
@@ -3050,7 +3050,7 @@
           <a:p>
             <a:fld id="{CB0EDE47-2924-488F-88C1-D7027FD3068B}" type="datetimeFigureOut">
               <a:rPr lang="en-US" smtClean="0"/>
-              <a:t>7/1/2022</a:t>
+              <a:t>10/6/2022</a:t>
             </a:fld>
             <a:endParaRPr lang="en-US"/>
           </a:p>
@@ -3573,8 +3573,21 @@
                 <a:ea typeface="Cascadia Code" panose="020B0609020000020004" pitchFamily="49" charset="0"/>
                 <a:cs typeface="Cascadia Code" panose="020B0609020000020004" pitchFamily="49" charset="0"/>
               </a:rPr>
-              <a:t>Submitted by – Sarthak Dixit</a:t>
-            </a:r>
+              <a:t>Submitted by </a:t>
+            </a:r>
+            <a:r>
+              <a:rPr lang="en-US">
+                <a:latin typeface="Cascadia Code" panose="020B0609020000020004" pitchFamily="49" charset="0"/>
+                <a:ea typeface="Cascadia Code" panose="020B0609020000020004" pitchFamily="49" charset="0"/>
+                <a:cs typeface="Cascadia Code" panose="020B0609020000020004" pitchFamily="49" charset="0"/>
+              </a:rPr>
+              <a:t>– Himanshu Negi</a:t>
+            </a:r>
+            <a:endParaRPr lang="en-US" dirty="0">
+              <a:latin typeface="Cascadia Code" panose="020B0609020000020004" pitchFamily="49" charset="0"/>
+              <a:ea typeface="Cascadia Code" panose="020B0609020000020004" pitchFamily="49" charset="0"/>
+              <a:cs typeface="Cascadia Code" panose="020B0609020000020004" pitchFamily="49" charset="0"/>
+            </a:endParaRPr>
           </a:p>
         </p:txBody>
       </p:sp>
